--- a/Assinment/(modual-2 )ss.pptx
+++ b/Assinment/(modual-2 )ss.pptx
@@ -9,6 +9,7 @@
     <p:sldId id="257" r:id="rId3"/>
     <p:sldId id="258" r:id="rId4"/>
     <p:sldId id="259" r:id="rId5"/>
+    <p:sldId id="260" r:id="rId6"/>
   </p:sldIdLst>
   <p:sldSz cx="9144000" cy="6858000" type="screen4x3"/>
   <p:notesSz cx="6858000" cy="9144000"/>
@@ -247,7 +248,7 @@
           <a:p>
             <a:fld id="{E8EC55F2-2074-4F14-AFFA-81F681F43FF2}" type="datetimeFigureOut">
               <a:rPr lang="en-IN" smtClean="0"/>
-              <a:t>13-06-2024</a:t>
+              <a:t>18-06-2024</a:t>
             </a:fld>
             <a:endParaRPr lang="en-IN"/>
           </a:p>
@@ -1116,7 +1117,7 @@
           <a:p>
             <a:fld id="{E8EC55F2-2074-4F14-AFFA-81F681F43FF2}" type="datetimeFigureOut">
               <a:rPr lang="en-IN" smtClean="0"/>
-              <a:t>13-06-2024</a:t>
+              <a:t>18-06-2024</a:t>
             </a:fld>
             <a:endParaRPr lang="en-IN"/>
           </a:p>
@@ -1291,7 +1292,7 @@
           <a:p>
             <a:fld id="{E8EC55F2-2074-4F14-AFFA-81F681F43FF2}" type="datetimeFigureOut">
               <a:rPr lang="en-IN" smtClean="0"/>
-              <a:t>13-06-2024</a:t>
+              <a:t>18-06-2024</a:t>
             </a:fld>
             <a:endParaRPr lang="en-IN"/>
           </a:p>
@@ -1461,7 +1462,7 @@
           <a:p>
             <a:fld id="{E8EC55F2-2074-4F14-AFFA-81F681F43FF2}" type="datetimeFigureOut">
               <a:rPr lang="en-IN" smtClean="0"/>
-              <a:t>13-06-2024</a:t>
+              <a:t>18-06-2024</a:t>
             </a:fld>
             <a:endParaRPr lang="en-IN"/>
           </a:p>
@@ -1671,7 +1672,7 @@
           <a:p>
             <a:fld id="{E8EC55F2-2074-4F14-AFFA-81F681F43FF2}" type="datetimeFigureOut">
               <a:rPr lang="en-IN" smtClean="0"/>
-              <a:t>13-06-2024</a:t>
+              <a:t>18-06-2024</a:t>
             </a:fld>
             <a:endParaRPr lang="en-IN"/>
           </a:p>
@@ -2485,7 +2486,7 @@
           <a:p>
             <a:fld id="{E8EC55F2-2074-4F14-AFFA-81F681F43FF2}" type="datetimeFigureOut">
               <a:rPr lang="en-IN" smtClean="0"/>
-              <a:t>13-06-2024</a:t>
+              <a:t>18-06-2024</a:t>
             </a:fld>
             <a:endParaRPr lang="en-IN"/>
           </a:p>
@@ -2721,7 +2722,7 @@
           <a:p>
             <a:fld id="{E8EC55F2-2074-4F14-AFFA-81F681F43FF2}" type="datetimeFigureOut">
               <a:rPr lang="en-IN" smtClean="0"/>
-              <a:t>13-06-2024</a:t>
+              <a:t>18-06-2024</a:t>
             </a:fld>
             <a:endParaRPr lang="en-IN"/>
           </a:p>
@@ -3044,7 +3045,7 @@
           <a:p>
             <a:fld id="{E8EC55F2-2074-4F14-AFFA-81F681F43FF2}" type="datetimeFigureOut">
               <a:rPr lang="en-IN" smtClean="0"/>
-              <a:t>13-06-2024</a:t>
+              <a:t>18-06-2024</a:t>
             </a:fld>
             <a:endParaRPr lang="en-IN"/>
           </a:p>
@@ -3134,7 +3135,7 @@
           <a:p>
             <a:fld id="{E8EC55F2-2074-4F14-AFFA-81F681F43FF2}" type="datetimeFigureOut">
               <a:rPr lang="en-IN" smtClean="0"/>
-              <a:t>13-06-2024</a:t>
+              <a:t>18-06-2024</a:t>
             </a:fld>
             <a:endParaRPr lang="en-IN"/>
           </a:p>
@@ -3651,7 +3652,7 @@
           <a:p>
             <a:fld id="{E8EC55F2-2074-4F14-AFFA-81F681F43FF2}" type="datetimeFigureOut">
               <a:rPr lang="en-IN" smtClean="0"/>
-              <a:t>13-06-2024</a:t>
+              <a:t>18-06-2024</a:t>
             </a:fld>
             <a:endParaRPr lang="en-IN"/>
           </a:p>
@@ -4162,7 +4163,7 @@
           <a:p>
             <a:fld id="{E8EC55F2-2074-4F14-AFFA-81F681F43FF2}" type="datetimeFigureOut">
               <a:rPr lang="en-IN" smtClean="0"/>
-              <a:t>13-06-2024</a:t>
+              <a:t>18-06-2024</a:t>
             </a:fld>
             <a:endParaRPr lang="en-IN"/>
           </a:p>
@@ -4407,7 +4408,7 @@
           <a:p>
             <a:fld id="{E8EC55F2-2074-4F14-AFFA-81F681F43FF2}" type="datetimeFigureOut">
               <a:rPr lang="en-IN" smtClean="0"/>
-              <a:t>13-06-2024</a:t>
+              <a:t>18-06-2024</a:t>
             </a:fld>
             <a:endParaRPr lang="en-IN"/>
           </a:p>
@@ -5028,7 +5029,7 @@
           <a:lstStyle/>
           <a:p>
             <a:r>
-              <a:rPr lang="en-IN" sz="4800" dirty="0">
+              <a:rPr lang="en-IN" sz="4800" dirty="0" smtClean="0">
                 <a:effectLst>
                   <a:outerShdw blurRad="38100" dist="38100" dir="2700000" algn="tl">
                     <a:srgbClr val="000000">
@@ -5040,6 +5041,16 @@
               </a:rPr>
               <a:t>Module 2) Technology</a:t>
             </a:r>
+            <a:endParaRPr lang="en-IN" sz="4800" dirty="0">
+              <a:effectLst>
+                <a:outerShdw blurRad="38100" dist="38100" dir="2700000" algn="tl">
+                  <a:srgbClr val="000000">
+                    <a:alpha val="43137"/>
+                  </a:srgbClr>
+                </a:outerShdw>
+                <a:reflection blurRad="6350" stA="55000" endA="300" endPos="45500" dir="5400000" sy="-100000" algn="bl" rotWithShape="0"/>
+              </a:effectLst>
+            </a:endParaRPr>
           </a:p>
         </p:txBody>
       </p:sp>
@@ -5056,7 +5067,7 @@
         <p:spPr>
           <a:xfrm>
             <a:off x="433050" y="476672"/>
-            <a:ext cx="8243406" cy="5616624"/>
+            <a:ext cx="8243406" cy="1008112"/>
           </a:xfrm>
         </p:spPr>
         <p:txBody>
@@ -5227,7 +5238,7 @@
                   </a:outerShdw>
                 </a:effectLst>
               </a:rPr>
-              <a:t>your </a:t>
+              <a:t>my </a:t>
             </a:r>
             <a:r>
               <a:rPr lang="en-US" sz="2800" i="1" dirty="0">
@@ -5533,7 +5544,7 @@
                   </a:outerShdw>
                 </a:effectLst>
               </a:rPr>
-              <a:t>am studying web development in TOP </a:t>
+              <a:t>am studying web development in </a:t>
             </a:r>
             <a:r>
               <a:rPr lang="en-US" sz="3200" i="1" dirty="0" smtClean="0">
@@ -5545,7 +5556,7 @@
                   </a:outerShdw>
                 </a:effectLst>
               </a:rPr>
-              <a:t>.</a:t>
+              <a:t>Tops technology .</a:t>
             </a:r>
           </a:p>
           <a:p>
@@ -5904,7 +5915,7 @@
                   </a:outerShdw>
                 </a:effectLst>
               </a:rPr>
-              <a:t>- Attend all work shop take help for online tutorials .</a:t>
+              <a:t>- Attend all work shop and take help for online tutorials .</a:t>
             </a:r>
             <a:endParaRPr lang="en-IN" sz="3200" b="1" i="1" dirty="0">
               <a:effectLst>
@@ -5922,6 +5933,74 @@
     <p:extLst>
       <p:ext uri="{BB962C8B-B14F-4D97-AF65-F5344CB8AC3E}">
         <p14:creationId xmlns:p14="http://schemas.microsoft.com/office/powerpoint/2010/main" val="4233500102"/>
+      </p:ext>
+    </p:extLst>
+  </p:cSld>
+  <p:clrMapOvr>
+    <a:masterClrMapping/>
+  </p:clrMapOvr>
+</p:sld>
+</file>
+
+<file path=ppt/slides/slide5.xml><?xml version="1.0" encoding="utf-8"?>
+<p:sld xmlns:a="http://schemas.openxmlformats.org/drawingml/2006/main" xmlns:r="http://schemas.openxmlformats.org/officeDocument/2006/relationships" xmlns:p="http://schemas.openxmlformats.org/presentationml/2006/main">
+  <p:cSld>
+    <p:spTree>
+      <p:nvGrpSpPr>
+        <p:cNvPr id="1" name=""/>
+        <p:cNvGrpSpPr/>
+        <p:nvPr/>
+      </p:nvGrpSpPr>
+      <p:grpSpPr>
+        <a:xfrm>
+          <a:off x="0" y="0"/>
+          <a:ext cx="0" cy="0"/>
+          <a:chOff x="0" y="0"/>
+          <a:chExt cx="0" cy="0"/>
+        </a:xfrm>
+      </p:grpSpPr>
+      <p:sp>
+        <p:nvSpPr>
+          <p:cNvPr id="3" name="Content Placeholder 2"/>
+          <p:cNvSpPr>
+            <a:spLocks noGrp="1"/>
+          </p:cNvSpPr>
+          <p:nvPr>
+            <p:ph sz="quarter" idx="1"/>
+          </p:nvPr>
+        </p:nvSpPr>
+        <p:spPr/>
+        <p:txBody>
+          <a:bodyPr/>
+          <a:lstStyle/>
+          <a:p>
+            <a:pPr marL="0" indent="0">
+              <a:buNone/>
+            </a:pPr>
+            <a:r>
+              <a:rPr lang="en-US" dirty="0" err="1" smtClean="0"/>
+              <a:t>Youtube</a:t>
+            </a:r>
+            <a:r>
+              <a:rPr lang="en-US" dirty="0" smtClean="0"/>
+              <a:t>:</a:t>
+            </a:r>
+          </a:p>
+          <a:p>
+            <a:pPr marL="0" indent="0">
+              <a:buNone/>
+            </a:pPr>
+            <a:r>
+              <a:rPr lang="en-IN" dirty="0"/>
+              <a:t>https://youtu.be/D6m2BcqIofk?si=qa_KhjiRqBNRKZQM</a:t>
+            </a:r>
+          </a:p>
+        </p:txBody>
+      </p:sp>
+    </p:spTree>
+    <p:extLst>
+      <p:ext uri="{BB962C8B-B14F-4D97-AF65-F5344CB8AC3E}">
+        <p14:creationId xmlns:p14="http://schemas.microsoft.com/office/powerpoint/2010/main" val="1828294249"/>
       </p:ext>
     </p:extLst>
   </p:cSld>
